--- a/The introduction of Android_2015_02_17.pptx
+++ b/The introduction of Android_2015_02_17.pptx
@@ -154,6 +154,22 @@
       </a:defRPr>
     </a:lvl9pPr>
   </p:defaultTextStyle>
+  <p:extLst>
+    <p:ext uri="{EFAFB233-063F-42B5-8137-9DF3F51BA10A}">
+      <p15:sldGuideLst xmlns:p15="http://schemas.microsoft.com/office/powerpoint/2012/main">
+        <p15:guide id="1" orient="horz" pos="2160">
+          <p15:clr>
+            <a:srgbClr val="A4A3A4"/>
+          </p15:clr>
+        </p15:guide>
+        <p15:guide id="2" pos="2880">
+          <p15:clr>
+            <a:srgbClr val="A4A3A4"/>
+          </p15:clr>
+        </p15:guide>
+      </p15:sldGuideLst>
+    </p:ext>
+  </p:extLst>
 </p:presentation>
 </file>
 
@@ -240,7 +256,7 @@
             <a:fld id="{180D6729-D2F0-4F51-BF2D-6E78F4E0549D}" type="datetimeFigureOut">
               <a:rPr lang="zh-TW" altLang="en-US" smtClean="0"/>
               <a:pPr/>
-              <a:t>2015/2/17</a:t>
+              <a:t>2015/2/22</a:t>
             </a:fld>
             <a:endParaRPr lang="zh-TW" altLang="en-US"/>
           </a:p>
@@ -409,6 +425,11 @@
         </p:txBody>
       </p:sp>
     </p:spTree>
+    <p:extLst>
+      <p:ext uri="{BB962C8B-B14F-4D97-AF65-F5344CB8AC3E}">
+        <p14:creationId xmlns:p14="http://schemas.microsoft.com/office/powerpoint/2010/main" val="1683216627"/>
+      </p:ext>
+    </p:extLst>
   </p:cSld>
   <p:clrMap bg1="lt1" tx1="dk1" bg2="lt2" tx2="dk2" accent1="accent1" accent2="accent2" accent3="accent3" accent4="accent4" accent5="accent5" accent6="accent6" hlink="hlink" folHlink="folHlink"/>
   <p:notesStyle>
@@ -586,6 +607,11 @@
         </p:txBody>
       </p:sp>
     </p:spTree>
+    <p:extLst>
+      <p:ext uri="{BB962C8B-B14F-4D97-AF65-F5344CB8AC3E}">
+        <p14:creationId xmlns:p14="http://schemas.microsoft.com/office/powerpoint/2010/main" val="2780538443"/>
+      </p:ext>
+    </p:extLst>
   </p:cSld>
   <p:clrMapOvr>
     <a:masterClrMapping/>
@@ -673,6 +699,11 @@
         </p:txBody>
       </p:sp>
     </p:spTree>
+    <p:extLst>
+      <p:ext uri="{BB962C8B-B14F-4D97-AF65-F5344CB8AC3E}">
+        <p14:creationId xmlns:p14="http://schemas.microsoft.com/office/powerpoint/2010/main" val="4114691309"/>
+      </p:ext>
+    </p:extLst>
   </p:cSld>
   <p:clrMapOvr>
     <a:masterClrMapping/>
@@ -1002,6 +1033,11 @@
         </p:txBody>
       </p:sp>
     </p:spTree>
+    <p:extLst>
+      <p:ext uri="{BB962C8B-B14F-4D97-AF65-F5344CB8AC3E}">
+        <p14:creationId xmlns:p14="http://schemas.microsoft.com/office/powerpoint/2010/main" val="4072290900"/>
+      </p:ext>
+    </p:extLst>
   </p:cSld>
   <p:clrMapOvr>
     <a:masterClrMapping/>
@@ -1089,6 +1125,11 @@
         </p:txBody>
       </p:sp>
     </p:spTree>
+    <p:extLst>
+      <p:ext uri="{BB962C8B-B14F-4D97-AF65-F5344CB8AC3E}">
+        <p14:creationId xmlns:p14="http://schemas.microsoft.com/office/powerpoint/2010/main" val="1063746329"/>
+      </p:ext>
+    </p:extLst>
   </p:cSld>
   <p:clrMapOvr>
     <a:masterClrMapping/>
@@ -1176,6 +1217,11 @@
         </p:txBody>
       </p:sp>
     </p:spTree>
+    <p:extLst>
+      <p:ext uri="{BB962C8B-B14F-4D97-AF65-F5344CB8AC3E}">
+        <p14:creationId xmlns:p14="http://schemas.microsoft.com/office/powerpoint/2010/main" val="250867821"/>
+      </p:ext>
+    </p:extLst>
   </p:cSld>
   <p:clrMapOvr>
     <a:masterClrMapping/>
@@ -1365,7 +1411,7 @@
             <a:fld id="{32150ACF-AE19-4285-A341-3B60AE88A971}" type="datetime1">
               <a:rPr lang="zh-TW" altLang="en-US" smtClean="0"/>
               <a:pPr/>
-              <a:t>2015/2/17</a:t>
+              <a:t>2015/2/22</a:t>
             </a:fld>
             <a:endParaRPr lang="zh-TW" altLang="en-US"/>
           </a:p>
@@ -1532,7 +1578,7 @@
             <a:fld id="{1A57B9C2-099F-44F8-BE43-9C4AE7BB1F7C}" type="datetime1">
               <a:rPr lang="zh-TW" altLang="en-US" smtClean="0"/>
               <a:pPr/>
-              <a:t>2015/2/17</a:t>
+              <a:t>2015/2/22</a:t>
             </a:fld>
             <a:endParaRPr lang="zh-TW" altLang="en-US"/>
           </a:p>
@@ -1709,7 +1755,7 @@
             <a:fld id="{A8C8B2B4-A37A-44F2-97EA-D2EE0FC525FD}" type="datetime1">
               <a:rPr lang="zh-TW" altLang="en-US" smtClean="0"/>
               <a:pPr/>
-              <a:t>2015/2/17</a:t>
+              <a:t>2015/2/22</a:t>
             </a:fld>
             <a:endParaRPr lang="zh-TW" altLang="en-US"/>
           </a:p>
@@ -1876,7 +1922,7 @@
             <a:fld id="{B56CE1A1-3B98-4D71-9244-5B7CB3DAF24D}" type="datetime1">
               <a:rPr lang="zh-TW" altLang="en-US" smtClean="0"/>
               <a:pPr/>
-              <a:t>2015/2/17</a:t>
+              <a:t>2015/2/22</a:t>
             </a:fld>
             <a:endParaRPr lang="zh-TW" altLang="en-US"/>
           </a:p>
@@ -2119,7 +2165,7 @@
             <a:fld id="{17DE191A-7323-46FB-A0C7-38FCCB787B4A}" type="datetime1">
               <a:rPr lang="zh-TW" altLang="en-US" smtClean="0"/>
               <a:pPr/>
-              <a:t>2015/2/17</a:t>
+              <a:t>2015/2/22</a:t>
             </a:fld>
             <a:endParaRPr lang="zh-TW" altLang="en-US"/>
           </a:p>
@@ -2404,7 +2450,7 @@
             <a:fld id="{17404ED9-3834-4FF9-BA59-532244FAB420}" type="datetime1">
               <a:rPr lang="zh-TW" altLang="en-US" smtClean="0"/>
               <a:pPr/>
-              <a:t>2015/2/17</a:t>
+              <a:t>2015/2/22</a:t>
             </a:fld>
             <a:endParaRPr lang="zh-TW" altLang="en-US"/>
           </a:p>
@@ -2823,7 +2869,7 @@
             <a:fld id="{6287BF8E-3D85-4270-906A-27D40E009BD5}" type="datetime1">
               <a:rPr lang="zh-TW" altLang="en-US" smtClean="0"/>
               <a:pPr/>
-              <a:t>2015/2/17</a:t>
+              <a:t>2015/2/22</a:t>
             </a:fld>
             <a:endParaRPr lang="zh-TW" altLang="en-US"/>
           </a:p>
@@ -2938,7 +2984,7 @@
             <a:fld id="{7153160E-EB62-4A98-AA0A-074087B93006}" type="datetime1">
               <a:rPr lang="zh-TW" altLang="en-US" smtClean="0"/>
               <a:pPr/>
-              <a:t>2015/2/17</a:t>
+              <a:t>2015/2/22</a:t>
             </a:fld>
             <a:endParaRPr lang="zh-TW" altLang="en-US"/>
           </a:p>
@@ -3030,7 +3076,7 @@
             <a:fld id="{080C97D8-85AA-40BD-861D-F5A0EC96D687}" type="datetime1">
               <a:rPr lang="zh-TW" altLang="en-US" smtClean="0"/>
               <a:pPr/>
-              <a:t>2015/2/17</a:t>
+              <a:t>2015/2/22</a:t>
             </a:fld>
             <a:endParaRPr lang="zh-TW" altLang="en-US"/>
           </a:p>
@@ -3304,7 +3350,7 @@
             <a:fld id="{4EB85F74-A159-4E61-9C04-83B01F6B07EB}" type="datetime1">
               <a:rPr lang="zh-TW" altLang="en-US" smtClean="0"/>
               <a:pPr/>
-              <a:t>2015/2/17</a:t>
+              <a:t>2015/2/22</a:t>
             </a:fld>
             <a:endParaRPr lang="zh-TW" altLang="en-US"/>
           </a:p>
@@ -3554,7 +3600,7 @@
             <a:fld id="{CEE4EF2B-0365-4FD9-83E0-8C07BAF4A461}" type="datetime1">
               <a:rPr lang="zh-TW" altLang="en-US" smtClean="0"/>
               <a:pPr/>
-              <a:t>2015/2/17</a:t>
+              <a:t>2015/2/22</a:t>
             </a:fld>
             <a:endParaRPr lang="zh-TW" altLang="en-US"/>
           </a:p>
@@ -3782,7 +3828,7 @@
             <a:fld id="{1CCBC19A-0ADB-4CC5-B96B-60B8930FC291}" type="datetime1">
               <a:rPr lang="zh-TW" altLang="en-US" smtClean="0"/>
               <a:pPr/>
-              <a:t>2015/2/17</a:t>
+              <a:t>2015/2/22</a:t>
             </a:fld>
             <a:endParaRPr lang="zh-TW" altLang="en-US"/>
           </a:p>
@@ -5268,11 +5314,7 @@
           <a:p>
             <a:r>
               <a:rPr lang="en-US" altLang="zh-TW" sz="2500" b="1" dirty="0" smtClean="0"/>
-              <a:t>r</a:t>
-            </a:r>
-            <a:r>
-              <a:rPr lang="en-US" altLang="zh-TW" sz="2500" b="1" dirty="0" smtClean="0"/>
-              <a:t>es - </a:t>
+              <a:t>res - </a:t>
             </a:r>
             <a:r>
               <a:rPr lang="en-US" altLang="zh-TW" sz="2500" dirty="0" err="1" smtClean="0"/>
@@ -6667,7 +6709,6 @@
               <a:rPr lang="en-US" altLang="zh-TW" sz="2700" dirty="0" smtClean="0"/>
               <a:t>Menu</a:t>
             </a:r>
-            <a:endParaRPr lang="en-US" altLang="zh-TW" sz="2700" dirty="0" smtClean="0"/>
           </a:p>
         </p:txBody>
       </p:sp>
@@ -6915,11 +6956,7 @@
             </a:r>
             <a:r>
               <a:rPr lang="en-US" altLang="zh-TW" sz="2700" b="1" dirty="0" smtClean="0"/>
-              <a:t>Values </a:t>
-            </a:r>
-            <a:r>
-              <a:rPr lang="en-US" altLang="zh-TW" sz="2700" b="1" dirty="0" smtClean="0"/>
-              <a:t>- </a:t>
+              <a:t>Values - </a:t>
             </a:r>
             <a:r>
               <a:rPr lang="en-US" altLang="zh-TW" sz="2700" dirty="0" smtClean="0"/>
@@ -7025,11 +7062,7 @@
           <a:p>
             <a:r>
               <a:rPr lang="en-US" altLang="zh-TW" sz="2800" b="1" dirty="0" smtClean="0"/>
-              <a:t>res - Values </a:t>
-            </a:r>
-            <a:r>
-              <a:rPr lang="en-US" altLang="zh-TW" sz="2800" b="1" dirty="0" smtClean="0"/>
-              <a:t>- </a:t>
+              <a:t>res - Values - </a:t>
             </a:r>
             <a:r>
               <a:rPr lang="en-US" altLang="zh-TW" sz="2800" dirty="0" err="1" smtClean="0"/>
@@ -7196,7 +7229,7 @@
             <a:pPr algn="ctr"/>
             <a:r>
               <a:rPr lang="en-US" altLang="zh-TW" dirty="0" smtClean="0"/>
-              <a:t>demens.xml</a:t>
+              <a:t>dimens.xml</a:t>
             </a:r>
             <a:endParaRPr lang="zh-TW" altLang="en-US" dirty="0"/>
           </a:p>
@@ -7278,11 +7311,7 @@
             </a:r>
             <a:r>
               <a:rPr lang="en-US" altLang="zh-TW" sz="2700" b="1" dirty="0" smtClean="0"/>
-              <a:t>Values </a:t>
-            </a:r>
-            <a:r>
-              <a:rPr lang="en-US" altLang="zh-TW" sz="2700" b="1" dirty="0" smtClean="0"/>
-              <a:t>– </a:t>
+              <a:t>Values – </a:t>
             </a:r>
             <a:r>
               <a:rPr lang="en-US" altLang="zh-TW" sz="2700" dirty="0" smtClean="0"/>
@@ -8118,7 +8147,6 @@
               <a:rPr lang="en-US" altLang="zh-TW" dirty="0" smtClean="0"/>
               <a:t>Set ID</a:t>
             </a:r>
-            <a:endParaRPr lang="en-US" altLang="zh-TW" dirty="0" smtClean="0"/>
           </a:p>
           <a:p>
             <a:pPr>
@@ -10961,25 +10989,30 @@
               <a:t>	</a:t>
             </a:r>
             <a:r>
-              <a:rPr lang="en-US" altLang="zh-TW" sz="2400" dirty="0" err="1" smtClean="0"/>
+              <a:rPr lang="en-US" altLang="zh-TW" sz="2000" dirty="0" err="1" smtClean="0"/>
               <a:t>Log.d</a:t>
             </a:r>
             <a:r>
-              <a:rPr lang="en-US" altLang="zh-TW" sz="2400" dirty="0" smtClean="0"/>
-              <a:t>(LOG_TAG, ”</a:t>
-            </a:r>
-            <a:r>
-              <a:rPr lang="en-US" altLang="zh-TW" sz="2400" dirty="0" err="1" smtClean="0">
+              <a:rPr lang="en-US" altLang="zh-TW" sz="2000" dirty="0" smtClean="0"/>
+              <a:t>(LOG_TAG, </a:t>
+            </a:r>
+            <a:r>
+              <a:rPr lang="en-US" altLang="zh-TW" sz="2000" dirty="0" smtClean="0"/>
+              <a:t>”</a:t>
+            </a:r>
+            <a:r>
+              <a:rPr lang="en-US" altLang="zh-TW" sz="2000" dirty="0" smtClean="0">
                 <a:solidFill>
                   <a:srgbClr val="FF0000"/>
                 </a:solidFill>
               </a:rPr>
-              <a:t>msg</a:t>
-            </a:r>
-            <a:r>
-              <a:rPr lang="en-US" altLang="zh-TW" sz="2400" dirty="0" smtClean="0"/>
+              <a:t>Message</a:t>
+            </a:r>
+            <a:r>
+              <a:rPr lang="en-US" altLang="zh-TW" sz="2000" dirty="0" smtClean="0"/>
               <a:t>”)</a:t>
             </a:r>
+            <a:endParaRPr lang="en-US" altLang="zh-TW" sz="2000" dirty="0" smtClean="0"/>
           </a:p>
           <a:p>
             <a:pPr>
@@ -11482,13 +11515,8 @@
             <a:pPr lvl="2"/>
             <a:r>
               <a:rPr lang="en-US" altLang="zh-TW" dirty="0" smtClean="0"/>
-              <a:t>Perform a time-consuming  task. (e.g. Downloading, DB r/w</a:t>
-            </a:r>
-            <a:r>
-              <a:rPr lang="en-US" altLang="zh-TW" dirty="0" smtClean="0"/>
-              <a:t>)</a:t>
-            </a:r>
-            <a:endParaRPr lang="en-US" altLang="zh-TW" dirty="0" smtClean="0"/>
+              <a:t>Perform a time-consuming  task. (e.g. Downloading, DB r/w)</a:t>
+            </a:r>
           </a:p>
         </p:txBody>
       </p:sp>
